--- a/hello_world/hello_world.pptx
+++ b/hello_world/hello_world.pptx
@@ -110,6 +110,11 @@
       </a:defRPr>
     </a:lvl9pPr>
   </p:defaultTextStyle>
+  <p:extLst>
+    <p:ext uri="{EFAFB233-063F-42B5-8137-9DF3F51BA10A}">
+      <p15:sldGuideLst xmlns:p15="http://schemas.microsoft.com/office/powerpoint/2012/main"/>
+    </p:ext>
+  </p:extLst>
 </p:presentation>
 </file>
 
@@ -260,7 +265,7 @@
           <a:p>
             <a:fld id="{64F5C602-8F22-4B35-A779-10F9AFEE1296}" type="datetimeFigureOut">
               <a:rPr lang="ru-RU" smtClean="0"/>
-              <a:t>06.09.2023</a:t>
+              <a:t>11.09.2023</a:t>
             </a:fld>
             <a:endParaRPr lang="ru-RU"/>
           </a:p>
@@ -458,7 +463,7 @@
           <a:p>
             <a:fld id="{64F5C602-8F22-4B35-A779-10F9AFEE1296}" type="datetimeFigureOut">
               <a:rPr lang="ru-RU" smtClean="0"/>
-              <a:t>06.09.2023</a:t>
+              <a:t>11.09.2023</a:t>
             </a:fld>
             <a:endParaRPr lang="ru-RU"/>
           </a:p>
@@ -666,7 +671,7 @@
           <a:p>
             <a:fld id="{64F5C602-8F22-4B35-A779-10F9AFEE1296}" type="datetimeFigureOut">
               <a:rPr lang="ru-RU" smtClean="0"/>
-              <a:t>06.09.2023</a:t>
+              <a:t>11.09.2023</a:t>
             </a:fld>
             <a:endParaRPr lang="ru-RU"/>
           </a:p>
@@ -864,7 +869,7 @@
           <a:p>
             <a:fld id="{64F5C602-8F22-4B35-A779-10F9AFEE1296}" type="datetimeFigureOut">
               <a:rPr lang="ru-RU" smtClean="0"/>
-              <a:t>06.09.2023</a:t>
+              <a:t>11.09.2023</a:t>
             </a:fld>
             <a:endParaRPr lang="ru-RU"/>
           </a:p>
@@ -1139,7 +1144,7 @@
           <a:p>
             <a:fld id="{64F5C602-8F22-4B35-A779-10F9AFEE1296}" type="datetimeFigureOut">
               <a:rPr lang="ru-RU" smtClean="0"/>
-              <a:t>06.09.2023</a:t>
+              <a:t>11.09.2023</a:t>
             </a:fld>
             <a:endParaRPr lang="ru-RU"/>
           </a:p>
@@ -1404,7 +1409,7 @@
           <a:p>
             <a:fld id="{64F5C602-8F22-4B35-A779-10F9AFEE1296}" type="datetimeFigureOut">
               <a:rPr lang="ru-RU" smtClean="0"/>
-              <a:t>06.09.2023</a:t>
+              <a:t>11.09.2023</a:t>
             </a:fld>
             <a:endParaRPr lang="ru-RU"/>
           </a:p>
@@ -1816,7 +1821,7 @@
           <a:p>
             <a:fld id="{64F5C602-8F22-4B35-A779-10F9AFEE1296}" type="datetimeFigureOut">
               <a:rPr lang="ru-RU" smtClean="0"/>
-              <a:t>06.09.2023</a:t>
+              <a:t>11.09.2023</a:t>
             </a:fld>
             <a:endParaRPr lang="ru-RU"/>
           </a:p>
@@ -1957,7 +1962,7 @@
           <a:p>
             <a:fld id="{64F5C602-8F22-4B35-A779-10F9AFEE1296}" type="datetimeFigureOut">
               <a:rPr lang="ru-RU" smtClean="0"/>
-              <a:t>06.09.2023</a:t>
+              <a:t>11.09.2023</a:t>
             </a:fld>
             <a:endParaRPr lang="ru-RU"/>
           </a:p>
@@ -2070,7 +2075,7 @@
           <a:p>
             <a:fld id="{64F5C602-8F22-4B35-A779-10F9AFEE1296}" type="datetimeFigureOut">
               <a:rPr lang="ru-RU" smtClean="0"/>
-              <a:t>06.09.2023</a:t>
+              <a:t>11.09.2023</a:t>
             </a:fld>
             <a:endParaRPr lang="ru-RU"/>
           </a:p>
@@ -2381,7 +2386,7 @@
           <a:p>
             <a:fld id="{64F5C602-8F22-4B35-A779-10F9AFEE1296}" type="datetimeFigureOut">
               <a:rPr lang="ru-RU" smtClean="0"/>
-              <a:t>06.09.2023</a:t>
+              <a:t>11.09.2023</a:t>
             </a:fld>
             <a:endParaRPr lang="ru-RU"/>
           </a:p>
@@ -2669,7 +2674,7 @@
           <a:p>
             <a:fld id="{64F5C602-8F22-4B35-A779-10F9AFEE1296}" type="datetimeFigureOut">
               <a:rPr lang="ru-RU" smtClean="0"/>
-              <a:t>06.09.2023</a:t>
+              <a:t>11.09.2023</a:t>
             </a:fld>
             <a:endParaRPr lang="ru-RU"/>
           </a:p>
@@ -2910,7 +2915,7 @@
           <a:p>
             <a:fld id="{64F5C602-8F22-4B35-A779-10F9AFEE1296}" type="datetimeFigureOut">
               <a:rPr lang="ru-RU" smtClean="0"/>
-              <a:t>06.09.2023</a:t>
+              <a:t>11.09.2023</a:t>
             </a:fld>
             <a:endParaRPr lang="ru-RU"/>
           </a:p>
@@ -3516,6 +3521,30 @@
               <a:rPr lang="ru-RU" dirty="0"/>
               <a:t>Установка</a:t>
             </a:r>
+            <a:r>
+              <a:rPr lang="en-US" dirty="0"/>
+              <a:t> </a:t>
+            </a:r>
+            <a:r>
+              <a:rPr lang="ru-RU" dirty="0"/>
+              <a:t>инструментов </a:t>
+            </a:r>
+            <a:r>
+              <a:rPr lang="en-US" dirty="0"/>
+              <a:t>C++ (</a:t>
+            </a:r>
+            <a:r>
+              <a:rPr lang="ru-RU" dirty="0"/>
+              <a:t>если не установлен </a:t>
+            </a:r>
+            <a:r>
+              <a:rPr lang="en-US" dirty="0"/>
+              <a:t>Visual Studio</a:t>
+            </a:r>
+            <a:r>
+              <a:rPr lang="ru-RU" dirty="0"/>
+              <a:t>)</a:t>
+            </a:r>
           </a:p>
           <a:p>
             <a:pPr lvl="1"/>
@@ -3549,6 +3578,28 @@
                 </a:solidFill>
               </a:rPr>
               <a:t>VsCode</a:t>
+            </a:r>
+            <a:r>
+              <a:rPr lang="ru-RU" dirty="0">
+                <a:solidFill>
+                  <a:schemeClr val="tx1">
+                    <a:lumMod val="50000"/>
+                    <a:lumOff val="50000"/>
+                  </a:schemeClr>
+                </a:solidFill>
+              </a:rPr>
+              <a:t>(</a:t>
+            </a:r>
+            <a:r>
+              <a:rPr lang="en-US" dirty="0">
+                <a:solidFill>
+                  <a:schemeClr val="tx1">
+                    <a:lumMod val="50000"/>
+                    <a:lumOff val="50000"/>
+                  </a:schemeClr>
+                </a:solidFill>
+              </a:rPr>
+              <a:t>IDE)</a:t>
             </a:r>
           </a:p>
           <a:p>
@@ -5359,7 +5410,7 @@
         </p:nvSpPr>
         <p:spPr>
           <a:xfrm>
-            <a:off x="838200" y="2103437"/>
+            <a:off x="838200" y="341312"/>
             <a:ext cx="10515600" cy="1325563"/>
           </a:xfrm>
         </p:spPr>
@@ -5377,6 +5428,42 @@
           </a:p>
         </p:txBody>
       </p:sp>
+      <p:pic>
+        <p:nvPicPr>
+          <p:cNvPr id="3" name="Рисунок 2" descr="Изображение выглядит как графическая вставка, Мультфильм, мультфильм, иллюстрация&#10;&#10;Автоматически созданное описание">
+            <a:extLst>
+              <a:ext uri="{FF2B5EF4-FFF2-40B4-BE49-F238E27FC236}">
+                <a16:creationId xmlns:a16="http://schemas.microsoft.com/office/drawing/2014/main" id="{774D4CEC-5F80-B115-FF4D-8269C90C6A6F}"/>
+              </a:ext>
+            </a:extLst>
+          </p:cNvPr>
+          <p:cNvPicPr>
+            <a:picLocks noChangeAspect="1"/>
+          </p:cNvPicPr>
+          <p:nvPr/>
+        </p:nvPicPr>
+        <p:blipFill>
+          <a:blip r:embed="rId2">
+            <a:extLst>
+              <a:ext uri="{28A0092B-C50C-407E-A947-70E740481C1C}">
+                <a14:useLocalDpi xmlns:a14="http://schemas.microsoft.com/office/drawing/2010/main" val="0"/>
+              </a:ext>
+            </a:extLst>
+          </a:blip>
+          <a:stretch>
+            <a:fillRect/>
+          </a:stretch>
+        </p:blipFill>
+        <p:spPr>
+          <a:xfrm>
+            <a:off x="3714750" y="1666875"/>
+            <a:ext cx="4762500" cy="4762500"/>
+          </a:xfrm>
+          <a:prstGeom prst="rect">
+            <a:avLst/>
+          </a:prstGeom>
+        </p:spPr>
+      </p:pic>
     </p:spTree>
     <p:extLst>
       <p:ext uri="{BB962C8B-B14F-4D97-AF65-F5344CB8AC3E}">
